--- a/Project_ideas.pptx
+++ b/Project_ideas.pptx
@@ -5894,49 +5894,66 @@
         <p:spPr/>
         <p:txBody>
           <a:bodyPr>
-            <a:normAutofit fontScale="62500" lnSpcReduction="20000"/>
+            <a:normAutofit fontScale="55000" lnSpcReduction="20000"/>
           </a:bodyPr>
           <a:lstStyle/>
           <a:p>
             <a:r>
               <a:rPr lang="en-US" sz="2400" dirty="0"/>
-              <a:t>Problem: Predicting  Player scoring vs. its mean scoring based on who is defending him</a:t>
-            </a:r>
-            <a:endParaRPr lang="en-US" sz="2000" dirty="0"/>
+              <a:t>Problem: </a:t>
+            </a:r>
           </a:p>
           <a:p>
             <a:pPr lvl="1"/>
             <a:r>
+              <a:rPr lang="en-US" sz="2200" dirty="0"/>
+              <a:t>Predicting  Player scoring effectiveness based on who is defending him</a:t>
+            </a:r>
+            <a:endParaRPr lang="en-US" sz="1800" dirty="0"/>
+          </a:p>
+          <a:p>
+            <a:pPr lvl="1"/>
+            <a:r>
               <a:rPr lang="en-US" sz="2000" dirty="0"/>
-              <a:t>Reason to solve: Trying to see if the best defenders actually negatively impact opponent scoring</a:t>
+              <a:t>Reason to solve: </a:t>
+            </a:r>
+          </a:p>
+          <a:p>
+            <a:pPr lvl="2"/>
+            <a:r>
+              <a:rPr lang="en-US" sz="1800" dirty="0"/>
+              <a:t>Trying to see if the best defenders actually negatively impact opponent effectiveness</a:t>
+            </a:r>
+          </a:p>
+          <a:p>
+            <a:pPr lvl="2"/>
+            <a:r>
+              <a:rPr lang="en-US" sz="1800" dirty="0"/>
+              <a:t>Are  any of the conventional “best” defenders in this group</a:t>
             </a:r>
           </a:p>
           <a:p>
             <a:pPr lvl="1"/>
             <a:r>
               <a:rPr lang="en-US" sz="2000" dirty="0"/>
-              <a:t>Normalizing data or grouping it (Rim </a:t>
-            </a:r>
-            <a:r>
-              <a:rPr lang="en-US" sz="2000" dirty="0" err="1"/>
-              <a:t>protectors,vs</a:t>
-            </a:r>
+              <a:t>Normalizing data or grouping it (Rim protectors vs. guard defenders)</a:t>
+            </a:r>
+          </a:p>
+          <a:p>
+            <a:pPr lvl="1"/>
             <a:r>
               <a:rPr lang="en-US" sz="2000" dirty="0"/>
-              <a:t> guard defending)</a:t>
-            </a:r>
-          </a:p>
-          <a:p>
-            <a:pPr lvl="1"/>
-            <a:r>
-              <a:rPr lang="en-US" sz="2000" dirty="0"/>
-              <a:t>How: trying to measure effectiveness of defensive players based on different factors. </a:t>
-            </a:r>
-          </a:p>
-          <a:p>
+              <a:t>How: trying to measure effectiveness of defensive players based on different factors</a:t>
+            </a:r>
+          </a:p>
+          <a:p>
+            <a:r>
+              <a:rPr lang="en-US" sz="2400" dirty="0"/>
+              <a:t>Data</a:t>
+            </a:r>
             <a:r>
               <a:rPr lang="en-US" dirty="0"/>
-              <a:t>Data:</a:t>
+              <a:t>:</a:t>
             </a:r>
           </a:p>
           <a:p>
@@ -5952,10 +5969,6 @@
               <a:rPr lang="en-US" sz="2000" dirty="0"/>
               <a:t>NBA season stats for 2014-2015 </a:t>
             </a:r>
-          </a:p>
-          <a:p>
-            <a:pPr lvl="1"/>
-            <a:endParaRPr lang="en-US" sz="2000" dirty="0"/>
           </a:p>
           <a:p>
             <a:r>
